--- a/CSE307-F18/L01_Introduction_Programming_Languages_PP.pptx
+++ b/CSE307-F18/L01_Introduction_Programming_Languages_PP.pptx
@@ -9357,7 +9357,7 @@
             </a:r>
             <a:r>
               <a:rPr lang="en-US" dirty="0"/>
-              <a:t>Telling the “machine”1 what you would like to happen, and let the computer figure out how to do it. (e.g. HTML code, functional programming code)</a:t>
+              <a:t>Telling the “machine” what you would like to happen, and let the computer figure out how to do it. (e.g. HTML code, functional programming code)</a:t>
             </a:r>
           </a:p>
         </p:txBody>
